--- a/Milestone6/Milestone 6.pptx
+++ b/Milestone6/Milestone 6.pptx
@@ -25414,7 +25414,7 @@
               <a:t>XAMPP</a:t>
             </a:r>
             <a:r>
-              <a:rPr lang="en-CA"/>
+              <a:rPr lang="en-CA" dirty="0"/>
               <a:t>/LAMP</a:t>
             </a:r>
             <a:endParaRPr dirty="0"/>
@@ -25462,8 +25462,16 @@
               <a:buChar char="•"/>
             </a:pPr>
             <a:r>
+              <a:rPr lang="en-US"/>
+              <a:t> All </a:t>
+            </a:r>
+            <a:r>
               <a:rPr lang="en-US" dirty="0"/>
-              <a:t> All features specified by MVP were completed</a:t>
+              <a:t>features specified by MVP </a:t>
+            </a:r>
+            <a:r>
+              <a:rPr lang="en-US"/>
+              <a:t>were completed</a:t>
             </a:r>
             <a:endParaRPr dirty="0"/>
           </a:p>
